--- a/loop_workflow.pptx
+++ b/loop_workflow.pptx
@@ -1114,10 +1114,24 @@
     <dgm:pt modelId="{2E555084-0AE9-C846-8068-9C39EDD97F44}" type="parTrans" cxnId="{5EBD1156-0206-5D4C-A3F3-068948F10B4B}">
       <dgm:prSet/>
       <dgm:spPr/>
+      <dgm:t>
+        <a:bodyPr/>
+        <a:lstStyle/>
+        <a:p>
+          <a:endParaRPr lang="en-US"/>
+        </a:p>
+      </dgm:t>
     </dgm:pt>
     <dgm:pt modelId="{09EC952E-20B6-6143-94B9-476AA0742937}" type="sibTrans" cxnId="{5EBD1156-0206-5D4C-A3F3-068948F10B4B}">
       <dgm:prSet/>
       <dgm:spPr/>
+      <dgm:t>
+        <a:bodyPr/>
+        <a:lstStyle/>
+        <a:p>
+          <a:endParaRPr lang="en-US"/>
+        </a:p>
+      </dgm:t>
     </dgm:pt>
     <dgm:pt modelId="{2457C1D6-1416-BD41-9095-58236053AA15}">
       <dgm:prSet phldrT="[Text]"/>
@@ -1136,10 +1150,24 @@
     <dgm:pt modelId="{EFCA440D-708A-7748-A403-077422FAF621}" type="parTrans" cxnId="{4D9FB3EC-27B8-AC46-91F0-CD18918E0639}">
       <dgm:prSet/>
       <dgm:spPr/>
+      <dgm:t>
+        <a:bodyPr/>
+        <a:lstStyle/>
+        <a:p>
+          <a:endParaRPr lang="en-US"/>
+        </a:p>
+      </dgm:t>
     </dgm:pt>
     <dgm:pt modelId="{4FA9CD1E-6860-1A45-9D4C-FAF33267B686}" type="sibTrans" cxnId="{4D9FB3EC-27B8-AC46-91F0-CD18918E0639}">
       <dgm:prSet/>
       <dgm:spPr/>
+      <dgm:t>
+        <a:bodyPr/>
+        <a:lstStyle/>
+        <a:p>
+          <a:endParaRPr lang="en-US"/>
+        </a:p>
+      </dgm:t>
     </dgm:pt>
     <dgm:pt modelId="{EE668497-026A-2845-B01B-663545038A36}">
       <dgm:prSet phldrT="[Text]"/>
@@ -1158,10 +1186,24 @@
     <dgm:pt modelId="{09ABA780-3BC6-7B41-B4AF-EA826CCF6AC7}" type="parTrans" cxnId="{7AA26BBF-6DF9-C245-8B19-E0D4C4E7A9FB}">
       <dgm:prSet/>
       <dgm:spPr/>
+      <dgm:t>
+        <a:bodyPr/>
+        <a:lstStyle/>
+        <a:p>
+          <a:endParaRPr lang="en-US"/>
+        </a:p>
+      </dgm:t>
     </dgm:pt>
     <dgm:pt modelId="{41780A66-409A-AC44-BA88-45BFC9BA8259}" type="sibTrans" cxnId="{7AA26BBF-6DF9-C245-8B19-E0D4C4E7A9FB}">
       <dgm:prSet/>
       <dgm:spPr/>
+      <dgm:t>
+        <a:bodyPr/>
+        <a:lstStyle/>
+        <a:p>
+          <a:endParaRPr lang="en-US"/>
+        </a:p>
+      </dgm:t>
     </dgm:pt>
     <dgm:pt modelId="{3355090F-5D8B-A04E-90D1-FE43DE84CDB9}">
       <dgm:prSet phldrT="[Text]"/>
@@ -1180,10 +1222,24 @@
     <dgm:pt modelId="{85446BC7-2CB9-E244-97BD-7C849084CA11}" type="parTrans" cxnId="{685B240C-1FAA-AA4C-B68D-6F37AD6A8519}">
       <dgm:prSet/>
       <dgm:spPr/>
+      <dgm:t>
+        <a:bodyPr/>
+        <a:lstStyle/>
+        <a:p>
+          <a:endParaRPr lang="en-US"/>
+        </a:p>
+      </dgm:t>
     </dgm:pt>
     <dgm:pt modelId="{1C07803C-5EEE-004B-B867-FF46D3CF6629}" type="sibTrans" cxnId="{685B240C-1FAA-AA4C-B68D-6F37AD6A8519}">
       <dgm:prSet/>
       <dgm:spPr/>
+      <dgm:t>
+        <a:bodyPr/>
+        <a:lstStyle/>
+        <a:p>
+          <a:endParaRPr lang="en-US"/>
+        </a:p>
+      </dgm:t>
     </dgm:pt>
     <dgm:pt modelId="{C985B940-4DAC-444F-B8C2-A675B3D32E7F}">
       <dgm:prSet phldrT="[Text]"/>
@@ -1202,10 +1258,24 @@
     <dgm:pt modelId="{55279338-D7CD-1F42-A107-F08F16059C60}" type="parTrans" cxnId="{0DF90BBA-DB1F-3B45-9BF0-EB5E97D3BDED}">
       <dgm:prSet/>
       <dgm:spPr/>
+      <dgm:t>
+        <a:bodyPr/>
+        <a:lstStyle/>
+        <a:p>
+          <a:endParaRPr lang="en-US"/>
+        </a:p>
+      </dgm:t>
     </dgm:pt>
     <dgm:pt modelId="{6A15EDE8-1DA6-DB44-AB8C-11B93DFE2E94}" type="sibTrans" cxnId="{0DF90BBA-DB1F-3B45-9BF0-EB5E97D3BDED}">
       <dgm:prSet/>
       <dgm:spPr/>
+      <dgm:t>
+        <a:bodyPr/>
+        <a:lstStyle/>
+        <a:p>
+          <a:endParaRPr lang="en-US"/>
+        </a:p>
+      </dgm:t>
     </dgm:pt>
     <dgm:pt modelId="{81D8C7C3-4E93-4243-9F12-4186D24AB7F4}">
       <dgm:prSet phldrT="[Text]"/>
@@ -1224,10 +1294,24 @@
     <dgm:pt modelId="{AD073E35-16B8-BC43-BBF6-8EDAEEC8A30D}" type="parTrans" cxnId="{E8313D51-E5B6-784E-982F-B5FEFDD20761}">
       <dgm:prSet/>
       <dgm:spPr/>
+      <dgm:t>
+        <a:bodyPr/>
+        <a:lstStyle/>
+        <a:p>
+          <a:endParaRPr lang="en-US"/>
+        </a:p>
+      </dgm:t>
     </dgm:pt>
     <dgm:pt modelId="{4640B0E4-5A74-BF48-BBB1-0E31D73DE125}" type="sibTrans" cxnId="{E8313D51-E5B6-784E-982F-B5FEFDD20761}">
       <dgm:prSet/>
       <dgm:spPr/>
+      <dgm:t>
+        <a:bodyPr/>
+        <a:lstStyle/>
+        <a:p>
+          <a:endParaRPr lang="en-US"/>
+        </a:p>
+      </dgm:t>
     </dgm:pt>
     <dgm:pt modelId="{789951B3-03AD-4543-89FF-8A93F70E6693}">
       <dgm:prSet phldrT="[Text]"/>
@@ -1246,10 +1330,24 @@
     <dgm:pt modelId="{C5616B0A-AC1A-364B-AAB2-499E617F2340}" type="parTrans" cxnId="{BB9E64B4-C7BC-D546-A38B-820AED7C2D09}">
       <dgm:prSet/>
       <dgm:spPr/>
+      <dgm:t>
+        <a:bodyPr/>
+        <a:lstStyle/>
+        <a:p>
+          <a:endParaRPr lang="en-US"/>
+        </a:p>
+      </dgm:t>
     </dgm:pt>
     <dgm:pt modelId="{B3ABEB14-3F72-6048-8712-943B90D4C719}" type="sibTrans" cxnId="{BB9E64B4-C7BC-D546-A38B-820AED7C2D09}">
       <dgm:prSet/>
       <dgm:spPr/>
+      <dgm:t>
+        <a:bodyPr/>
+        <a:lstStyle/>
+        <a:p>
+          <a:endParaRPr lang="en-US"/>
+        </a:p>
+      </dgm:t>
     </dgm:pt>
     <dgm:pt modelId="{30F5E0B4-5377-9342-A81A-65A9B5F0E996}">
       <dgm:prSet phldrT="[Text]"/>
@@ -1268,10 +1366,24 @@
     <dgm:pt modelId="{AD101EC2-6470-2549-82EF-A3FD1C54D09E}" type="parTrans" cxnId="{91A9312C-AA8D-4940-B40B-1595D13AAFE3}">
       <dgm:prSet/>
       <dgm:spPr/>
+      <dgm:t>
+        <a:bodyPr/>
+        <a:lstStyle/>
+        <a:p>
+          <a:endParaRPr lang="en-US"/>
+        </a:p>
+      </dgm:t>
     </dgm:pt>
     <dgm:pt modelId="{B29BE7DD-298B-BB49-B548-2BC99FB73C3B}" type="sibTrans" cxnId="{91A9312C-AA8D-4940-B40B-1595D13AAFE3}">
       <dgm:prSet/>
       <dgm:spPr/>
+      <dgm:t>
+        <a:bodyPr/>
+        <a:lstStyle/>
+        <a:p>
+          <a:endParaRPr lang="en-US"/>
+        </a:p>
+      </dgm:t>
     </dgm:pt>
     <dgm:pt modelId="{6026CC4D-95FC-7B4E-96F1-C6CDA2387AB7}" type="pres">
       <dgm:prSet presAssocID="{62188365-4136-3049-ADA9-BFA45D736720}" presName="rootnode" presStyleCnt="0">
@@ -1289,11 +1401,11 @@
       <dgm:spPr/>
     </dgm:pt>
     <dgm:pt modelId="{44A68A21-6919-B547-849A-1F7FB9A6EA30}" type="pres">
-      <dgm:prSet presAssocID="{879E1721-1423-E64E-BDC1-0930D61BEFA2}" presName="bentUpArrow1" presStyleLbl="alignImgPlace1" presStyleIdx="0" presStyleCnt="2"/>
+      <dgm:prSet presAssocID="{879E1721-1423-E64E-BDC1-0930D61BEFA2}" presName="bentUpArrow1" presStyleLbl="alignImgPlace1" presStyleIdx="0" presStyleCnt="2" custLinFactNeighborX="-63447" custLinFactNeighborY="1979"/>
       <dgm:spPr/>
     </dgm:pt>
     <dgm:pt modelId="{BB29913F-8626-1943-B4B4-FB4E3B9D6C97}" type="pres">
-      <dgm:prSet presAssocID="{879E1721-1423-E64E-BDC1-0930D61BEFA2}" presName="ParentText" presStyleLbl="node1" presStyleIdx="0" presStyleCnt="3">
+      <dgm:prSet presAssocID="{879E1721-1423-E64E-BDC1-0930D61BEFA2}" presName="ParentText" presStyleLbl="node1" presStyleIdx="0" presStyleCnt="3" custLinFactNeighborX="-71122" custLinFactNeighborY="1680">
         <dgm:presLayoutVars>
           <dgm:chMax val="1"/>
           <dgm:chPref val="1"/>
@@ -1303,7 +1415,7 @@
       <dgm:spPr/>
     </dgm:pt>
     <dgm:pt modelId="{577BB665-B3BD-BC49-8A59-09F95961427C}" type="pres">
-      <dgm:prSet presAssocID="{879E1721-1423-E64E-BDC1-0930D61BEFA2}" presName="ChildText" presStyleLbl="revTx" presStyleIdx="0" presStyleCnt="3" custLinFactNeighborX="27478" custLinFactNeighborY="-1039">
+      <dgm:prSet presAssocID="{879E1721-1423-E64E-BDC1-0930D61BEFA2}" presName="ChildText" presStyleLbl="revTx" presStyleIdx="0" presStyleCnt="3" custLinFactNeighborX="-97789" custLinFactNeighborY="3117">
         <dgm:presLayoutVars>
           <dgm:chMax val="0"/>
           <dgm:chPref val="0"/>
@@ -1321,11 +1433,11 @@
       <dgm:spPr/>
     </dgm:pt>
     <dgm:pt modelId="{25E6A454-84AE-EA42-ABBE-2DCCAB30E30C}" type="pres">
-      <dgm:prSet presAssocID="{940CF9C1-146A-4241-A23A-877C59747C6B}" presName="bentUpArrow1" presStyleLbl="alignImgPlace1" presStyleIdx="1" presStyleCnt="2"/>
+      <dgm:prSet presAssocID="{940CF9C1-146A-4241-A23A-877C59747C6B}" presName="bentUpArrow1" presStyleLbl="alignImgPlace1" presStyleIdx="1" presStyleCnt="2" custLinFactNeighborX="-32158" custLinFactNeighborY="1979"/>
       <dgm:spPr/>
     </dgm:pt>
     <dgm:pt modelId="{6A9DB448-AF5B-224F-82CC-16224B72B0E6}" type="pres">
-      <dgm:prSet presAssocID="{940CF9C1-146A-4241-A23A-877C59747C6B}" presName="ParentText" presStyleLbl="node1" presStyleIdx="1" presStyleCnt="3">
+      <dgm:prSet presAssocID="{940CF9C1-146A-4241-A23A-877C59747C6B}" presName="ParentText" presStyleLbl="node1" presStyleIdx="1" presStyleCnt="3" custLinFactNeighborX="-47023" custLinFactNeighborY="1679">
         <dgm:presLayoutVars>
           <dgm:chMax val="1"/>
           <dgm:chPref val="1"/>
@@ -1335,7 +1447,7 @@
       <dgm:spPr/>
     </dgm:pt>
     <dgm:pt modelId="{076011C5-AC4D-704D-BD27-9A0EEF073E11}" type="pres">
-      <dgm:prSet presAssocID="{940CF9C1-146A-4241-A23A-877C59747C6B}" presName="ChildText" presStyleLbl="revTx" presStyleIdx="1" presStyleCnt="3">
+      <dgm:prSet presAssocID="{940CF9C1-146A-4241-A23A-877C59747C6B}" presName="ChildText" presStyleLbl="revTx" presStyleIdx="1" presStyleCnt="3" custLinFactNeighborX="-63846" custLinFactNeighborY="1039">
         <dgm:presLayoutVars>
           <dgm:chMax val="0"/>
           <dgm:chPref val="0"/>
@@ -1353,7 +1465,7 @@
       <dgm:spPr/>
     </dgm:pt>
     <dgm:pt modelId="{58B9CA4E-5800-C449-9272-AB44C6053D68}" type="pres">
-      <dgm:prSet presAssocID="{22E7A59D-58A4-E84D-8D47-8FC2664D271F}" presName="ParentText" presStyleLbl="node1" presStyleIdx="2" presStyleCnt="3">
+      <dgm:prSet presAssocID="{22E7A59D-58A4-E84D-8D47-8FC2664D271F}" presName="ParentText" presStyleLbl="node1" presStyleIdx="2" presStyleCnt="3" custLinFactNeighborX="-25275" custLinFactNeighborY="840">
         <dgm:presLayoutVars>
           <dgm:chMax val="1"/>
           <dgm:chPref val="1"/>
@@ -1363,7 +1475,7 @@
       <dgm:spPr/>
     </dgm:pt>
     <dgm:pt modelId="{AF9B832B-06BB-A94D-AEDC-FAE11574F319}" type="pres">
-      <dgm:prSet presAssocID="{22E7A59D-58A4-E84D-8D47-8FC2664D271F}" presName="FinalChildText" presStyleLbl="revTx" presStyleIdx="2" presStyleCnt="3">
+      <dgm:prSet presAssocID="{22E7A59D-58A4-E84D-8D47-8FC2664D271F}" presName="FinalChildText" presStyleLbl="revTx" presStyleIdx="2" presStyleCnt="3" custLinFactNeighborX="-33135" custLinFactNeighborY="3117">
         <dgm:presLayoutVars>
           <dgm:chMax val="0"/>
           <dgm:chPref val="0"/>
@@ -1442,7 +1554,7 @@
       </dsp:nvSpPr>
       <dsp:spPr>
         <a:xfrm rot="5400000">
-          <a:off x="445009" y="1583167"/>
+          <a:off x="1188541" y="1610876"/>
           <a:ext cx="1400175" cy="1594049"/>
         </a:xfrm>
         <a:prstGeom prst="bentUpArrow">
@@ -1495,7 +1607,7 @@
       </dsp:nvSpPr>
       <dsp:spPr>
         <a:xfrm>
-          <a:off x="74048" y="31045"/>
+          <a:off x="152561" y="58763"/>
           <a:ext cx="2357070" cy="1649872"/>
         </a:xfrm>
         <a:prstGeom prst="roundRect">
@@ -1564,7 +1676,7 @@
         </a:p>
       </dsp:txBody>
       <dsp:txXfrm>
-        <a:off x="154603" y="111600"/>
+        <a:off x="233116" y="139318"/>
         <a:ext cx="2195960" cy="1488762"/>
       </dsp:txXfrm>
     </dsp:sp>
@@ -1575,7 +1687,7 @@
       </dsp:nvSpPr>
       <dsp:spPr>
         <a:xfrm>
-          <a:off x="2902176" y="174543"/>
+          <a:off x="2509622" y="229963"/>
           <a:ext cx="1714308" cy="1333500"/>
         </a:xfrm>
         <a:prstGeom prst="rect">
@@ -1668,7 +1780,7 @@
         </a:p>
       </dsp:txBody>
       <dsp:txXfrm>
-        <a:off x="2902176" y="174543"/>
+        <a:off x="2509622" y="229963"/>
         <a:ext cx="1714308" cy="1333500"/>
       </dsp:txXfrm>
     </dsp:sp>
@@ -1679,7 +1791,7 @@
       </dsp:nvSpPr>
       <dsp:spPr>
         <a:xfrm rot="5400000">
-          <a:off x="2399271" y="3436519"/>
+          <a:off x="3641566" y="3464228"/>
           <a:ext cx="1400175" cy="1594049"/>
         </a:xfrm>
         <a:prstGeom prst="bentUpArrow">
@@ -1732,7 +1844,7 @@
       </dsp:nvSpPr>
       <dsp:spPr>
         <a:xfrm>
-          <a:off x="2028310" y="1884397"/>
+          <a:off x="2674854" y="1912098"/>
           <a:ext cx="2357070" cy="1649872"/>
         </a:xfrm>
         <a:prstGeom prst="roundRect">
@@ -1801,7 +1913,7 @@
         </a:p>
       </dsp:txBody>
       <dsp:txXfrm>
-        <a:off x="2108865" y="1964952"/>
+        <a:off x="2755409" y="1992653"/>
         <a:ext cx="2195960" cy="1488762"/>
       </dsp:txXfrm>
     </dsp:sp>
@@ -1812,7 +1924,7 @@
       </dsp:nvSpPr>
       <dsp:spPr>
         <a:xfrm>
-          <a:off x="4385381" y="2041750"/>
+          <a:off x="5045772" y="2055605"/>
           <a:ext cx="1714308" cy="1333500"/>
         </a:xfrm>
         <a:prstGeom prst="rect">
@@ -1915,7 +2027,7 @@
         </a:p>
       </dsp:txBody>
       <dsp:txXfrm>
-        <a:off x="4385381" y="2041750"/>
+        <a:off x="5045772" y="2055605"/>
         <a:ext cx="1714308" cy="1333500"/>
       </dsp:txXfrm>
     </dsp:sp>
@@ -1926,7 +2038,7 @@
       </dsp:nvSpPr>
       <dsp:spPr>
         <a:xfrm>
-          <a:off x="3982572" y="3737748"/>
+          <a:off x="5141731" y="3751607"/>
           <a:ext cx="2357070" cy="1649872"/>
         </a:xfrm>
         <a:prstGeom prst="roundRect">
@@ -1995,7 +2107,7 @@
         </a:p>
       </dsp:txBody>
       <dsp:txXfrm>
-        <a:off x="4063127" y="3818303"/>
+        <a:off x="5222286" y="3832162"/>
         <a:ext cx="2195960" cy="1488762"/>
       </dsp:txXfrm>
     </dsp:sp>
@@ -2006,7 +2118,7 @@
       </dsp:nvSpPr>
       <dsp:spPr>
         <a:xfrm>
-          <a:off x="6339643" y="3895101"/>
+          <a:off x="7526515" y="3936666"/>
           <a:ext cx="1714308" cy="1333500"/>
         </a:xfrm>
         <a:prstGeom prst="rect">
@@ -2109,7 +2221,7 @@
         </a:p>
       </dsp:txBody>
       <dsp:txXfrm>
-        <a:off x="6339643" y="3895101"/>
+        <a:off x="7526515" y="3936666"/>
         <a:ext cx="1714308" cy="1333500"/>
       </dsp:txXfrm>
     </dsp:sp>
@@ -6696,14 +6808,14 @@
           <p:nvPr>
             <p:extLst>
               <p:ext uri="{D42A27DB-BD31-4B8C-83A1-F6EECF244321}">
-                <p14:modId xmlns:p14="http://schemas.microsoft.com/office/powerpoint/2010/main" val="1503810136"/>
+                <p14:modId xmlns:p14="http://schemas.microsoft.com/office/powerpoint/2010/main" val="809688140"/>
               </p:ext>
             </p:extLst>
           </p:nvPr>
         </p:nvGraphicFramePr>
         <p:xfrm>
-          <a:off x="2032000" y="719666"/>
-          <a:ext cx="8128000" cy="5418667"/>
+          <a:off x="221673" y="719666"/>
+          <a:ext cx="11637818" cy="5418667"/>
         </p:xfrm>
         <a:graphic>
           <a:graphicData uri="http://schemas.openxmlformats.org/drawingml/2006/diagram">
